--- a/Visualizing Country Music - Exploring Country Music's Changes Since the 1960s.pptx
+++ b/Visualizing Country Music - Exploring Country Music's Changes Since the 1960s.pptx
@@ -844,7 +844,7 @@
           <a:p>
             <a:fld id="{0142EE02-5F7F-4E3B-A929-5629BD7322D4}" type="datetimeFigureOut">
               <a:rPr lang="en-US" smtClean="0"/>
-              <a:t>12/21/2021</a:t>
+              <a:t>12/22/2021</a:t>
             </a:fld>
             <a:endParaRPr lang="en-US"/>
           </a:p>
@@ -1096,7 +1096,7 @@
             <a:fld id="{276D79ED-3FA7-4EF8-964B-EB8BCFAB02F8}" type="datetimeFigureOut">
               <a:rPr lang="en-US" smtClean="0"/>
               <a:pPr/>
-              <a:t>12/21/2021</a:t>
+              <a:t>12/22/2021</a:t>
             </a:fld>
             <a:endParaRPr lang="en-US"/>
           </a:p>
@@ -1412,7 +1412,7 @@
             <a:fld id="{276D79ED-3FA7-4EF8-964B-EB8BCFAB02F8}" type="datetimeFigureOut">
               <a:rPr lang="en-US" smtClean="0"/>
               <a:pPr/>
-              <a:t>12/21/2021</a:t>
+              <a:t>12/22/2021</a:t>
             </a:fld>
             <a:endParaRPr lang="en-US"/>
           </a:p>
@@ -1741,7 +1741,7 @@
             <a:fld id="{276D79ED-3FA7-4EF8-964B-EB8BCFAB02F8}" type="datetimeFigureOut">
               <a:rPr lang="en-US" smtClean="0"/>
               <a:pPr/>
-              <a:t>12/21/2021</a:t>
+              <a:t>12/22/2021</a:t>
             </a:fld>
             <a:endParaRPr lang="en-US"/>
           </a:p>
@@ -2057,7 +2057,7 @@
             <a:fld id="{276D79ED-3FA7-4EF8-964B-EB8BCFAB02F8}" type="datetimeFigureOut">
               <a:rPr lang="en-US" smtClean="0"/>
               <a:pPr/>
-              <a:t>12/21/2021</a:t>
+              <a:t>12/22/2021</a:t>
             </a:fld>
             <a:endParaRPr lang="en-US"/>
           </a:p>
@@ -2446,7 +2446,7 @@
             <a:fld id="{276D79ED-3FA7-4EF8-964B-EB8BCFAB02F8}" type="datetimeFigureOut">
               <a:rPr lang="en-US" smtClean="0"/>
               <a:pPr/>
-              <a:t>12/21/2021</a:t>
+              <a:t>12/22/2021</a:t>
             </a:fld>
             <a:endParaRPr lang="en-US"/>
           </a:p>
@@ -2618,7 +2618,7 @@
             <a:fld id="{276D79ED-3FA7-4EF8-964B-EB8BCFAB02F8}" type="datetimeFigureOut">
               <a:rPr lang="en-US" smtClean="0"/>
               <a:pPr/>
-              <a:t>12/21/2021</a:t>
+              <a:t>12/22/2021</a:t>
             </a:fld>
             <a:endParaRPr lang="en-US"/>
           </a:p>
@@ -2800,7 +2800,7 @@
             <a:fld id="{276D79ED-3FA7-4EF8-964B-EB8BCFAB02F8}" type="datetimeFigureOut">
               <a:rPr lang="en-US" smtClean="0"/>
               <a:pPr/>
-              <a:t>12/21/2021</a:t>
+              <a:t>12/22/2021</a:t>
             </a:fld>
             <a:endParaRPr lang="en-US"/>
           </a:p>
@@ -2977,7 +2977,7 @@
           <a:p>
             <a:fld id="{276D79ED-3FA7-4EF8-964B-EB8BCFAB02F8}" type="datetimeFigureOut">
               <a:rPr lang="en-US" smtClean="0"/>
-              <a:t>12/21/2021</a:t>
+              <a:t>12/22/2021</a:t>
             </a:fld>
             <a:endParaRPr lang="en-US"/>
           </a:p>
@@ -3225,7 +3225,7 @@
             <a:fld id="{276D79ED-3FA7-4EF8-964B-EB8BCFAB02F8}" type="datetimeFigureOut">
               <a:rPr lang="en-US" smtClean="0"/>
               <a:pPr/>
-              <a:t>12/21/2021</a:t>
+              <a:t>12/22/2021</a:t>
             </a:fld>
             <a:endParaRPr lang="en-US"/>
           </a:p>
@@ -3458,7 +3458,7 @@
           <a:p>
             <a:fld id="{276D79ED-3FA7-4EF8-964B-EB8BCFAB02F8}" type="datetimeFigureOut">
               <a:rPr lang="en-US" smtClean="0"/>
-              <a:t>12/21/2021</a:t>
+              <a:t>12/22/2021</a:t>
             </a:fld>
             <a:endParaRPr lang="en-US"/>
           </a:p>
@@ -3832,7 +3832,7 @@
           <a:p>
             <a:fld id="{276D79ED-3FA7-4EF8-964B-EB8BCFAB02F8}" type="datetimeFigureOut">
               <a:rPr lang="en-US" smtClean="0"/>
-              <a:t>12/21/2021</a:t>
+              <a:t>12/22/2021</a:t>
             </a:fld>
             <a:endParaRPr lang="en-US"/>
           </a:p>
@@ -3955,7 +3955,7 @@
           <a:p>
             <a:fld id="{276D79ED-3FA7-4EF8-964B-EB8BCFAB02F8}" type="datetimeFigureOut">
               <a:rPr lang="en-US" smtClean="0"/>
-              <a:t>12/21/2021</a:t>
+              <a:t>12/22/2021</a:t>
             </a:fld>
             <a:endParaRPr lang="en-US"/>
           </a:p>
@@ -4050,7 +4050,7 @@
           <a:p>
             <a:fld id="{276D79ED-3FA7-4EF8-964B-EB8BCFAB02F8}" type="datetimeFigureOut">
               <a:rPr lang="en-US" smtClean="0"/>
-              <a:t>12/21/2021</a:t>
+              <a:t>12/22/2021</a:t>
             </a:fld>
             <a:endParaRPr lang="en-US"/>
           </a:p>
@@ -4305,7 +4305,7 @@
           <a:p>
             <a:fld id="{276D79ED-3FA7-4EF8-964B-EB8BCFAB02F8}" type="datetimeFigureOut">
               <a:rPr lang="en-US" smtClean="0"/>
-              <a:t>12/21/2021</a:t>
+              <a:t>12/22/2021</a:t>
             </a:fld>
             <a:endParaRPr lang="en-US"/>
           </a:p>
@@ -4568,7 +4568,7 @@
           <a:p>
             <a:fld id="{276D79ED-3FA7-4EF8-964B-EB8BCFAB02F8}" type="datetimeFigureOut">
               <a:rPr lang="en-US" smtClean="0"/>
-              <a:t>12/21/2021</a:t>
+              <a:t>12/22/2021</a:t>
             </a:fld>
             <a:endParaRPr lang="en-US"/>
           </a:p>
@@ -5314,7 +5314,7 @@
             <a:fld id="{276D79ED-3FA7-4EF8-964B-EB8BCFAB02F8}" type="datetimeFigureOut">
               <a:rPr lang="en-US" smtClean="0"/>
               <a:pPr/>
-              <a:t>12/21/2021</a:t>
+              <a:t>12/22/2021</a:t>
             </a:fld>
             <a:endParaRPr lang="en-US"/>
           </a:p>
@@ -10842,7 +10842,7 @@
         </p:blipFill>
         <p:spPr bwMode="auto">
           <a:xfrm>
-            <a:off x="677334" y="508726"/>
+            <a:off x="677334" y="486603"/>
             <a:ext cx="8274669" cy="3635025"/>
           </a:xfrm>
           <a:custGeom>

--- a/Visualizing Country Music - Exploring Country Music's Changes Since the 1960s.pptx
+++ b/Visualizing Country Music - Exploring Country Music's Changes Since the 1960s.pptx
@@ -10,10 +10,11 @@
     <p:sldId id="259" r:id="rId4"/>
     <p:sldId id="260" r:id="rId5"/>
     <p:sldId id="261" r:id="rId6"/>
-    <p:sldId id="262" r:id="rId7"/>
+    <p:sldId id="267" r:id="rId7"/>
     <p:sldId id="263" r:id="rId8"/>
     <p:sldId id="264" r:id="rId9"/>
-    <p:sldId id="265" r:id="rId10"/>
+    <p:sldId id="266" r:id="rId10"/>
+    <p:sldId id="265" r:id="rId11"/>
   </p:sldIdLst>
   <p:sldSz cx="12192000" cy="6858000"/>
   <p:notesSz cx="6858000" cy="9144000"/>
@@ -120,6 +121,894 @@
 </p:presentation>
 </file>
 
+<file path=ppt/charts/chart1.xml><?xml version="1.0" encoding="utf-8"?>
+<c:chartSpace xmlns:c="http://schemas.openxmlformats.org/drawingml/2006/chart" xmlns:a="http://schemas.openxmlformats.org/drawingml/2006/main" xmlns:r="http://schemas.openxmlformats.org/officeDocument/2006/relationships" xmlns:c16r2="http://schemas.microsoft.com/office/drawing/2015/06/chart">
+  <c:date1904 val="0"/>
+  <c:lang val="en-US"/>
+  <c:roundedCorners val="0"/>
+  <mc:AlternateContent xmlns:mc="http://schemas.openxmlformats.org/markup-compatibility/2006">
+    <mc:Choice xmlns:c14="http://schemas.microsoft.com/office/drawing/2007/8/2/chart" Requires="c14">
+      <c14:style val="102"/>
+    </mc:Choice>
+    <mc:Fallback>
+      <c:style val="2"/>
+    </mc:Fallback>
+  </mc:AlternateContent>
+  <c:chart>
+    <c:title>
+      <c:tx>
+        <c:rich>
+          <a:bodyPr rot="0" spcFirstLastPara="1" vertOverflow="ellipsis" vert="horz" wrap="square" anchor="ctr" anchorCtr="1"/>
+          <a:lstStyle/>
+          <a:p>
+            <a:pPr>
+              <a:defRPr sz="1862" b="0" i="0" u="none" strike="noStrike" kern="1200" spc="0" baseline="0">
+                <a:solidFill>
+                  <a:schemeClr val="tx1">
+                    <a:lumMod val="65000"/>
+                    <a:lumOff val="35000"/>
+                  </a:schemeClr>
+                </a:solidFill>
+                <a:latin typeface="+mn-lt"/>
+                <a:ea typeface="+mn-ea"/>
+                <a:cs typeface="+mn-cs"/>
+              </a:defRPr>
+            </a:pPr>
+            <a:r>
+              <a:rPr lang="en-US" dirty="0"/>
+              <a:t>Total</a:t>
+            </a:r>
+            <a:r>
+              <a:rPr lang="en-US" baseline="0" dirty="0"/>
+              <a:t> Differences</a:t>
+            </a:r>
+          </a:p>
+        </c:rich>
+      </c:tx>
+      <c:overlay val="0"/>
+      <c:spPr>
+        <a:noFill/>
+        <a:ln>
+          <a:noFill/>
+        </a:ln>
+        <a:effectLst/>
+      </c:spPr>
+      <c:txPr>
+        <a:bodyPr rot="0" spcFirstLastPara="1" vertOverflow="ellipsis" vert="horz" wrap="square" anchor="ctr" anchorCtr="1"/>
+        <a:lstStyle/>
+        <a:p>
+          <a:pPr>
+            <a:defRPr sz="1862" b="0" i="0" u="none" strike="noStrike" kern="1200" spc="0" baseline="0">
+              <a:solidFill>
+                <a:schemeClr val="tx1">
+                  <a:lumMod val="65000"/>
+                  <a:lumOff val="35000"/>
+                </a:schemeClr>
+              </a:solidFill>
+              <a:latin typeface="+mn-lt"/>
+              <a:ea typeface="+mn-ea"/>
+              <a:cs typeface="+mn-cs"/>
+            </a:defRPr>
+          </a:pPr>
+          <a:endParaRPr lang="en-US"/>
+        </a:p>
+      </c:txPr>
+    </c:title>
+    <c:autoTitleDeleted val="0"/>
+    <c:plotArea>
+      <c:layout/>
+      <c:lineChart>
+        <c:grouping val="standard"/>
+        <c:varyColors val="0"/>
+        <c:ser>
+          <c:idx val="0"/>
+          <c:order val="0"/>
+          <c:tx>
+            <c:strRef>
+              <c:f>Sheet1!$B$1</c:f>
+              <c:strCache>
+                <c:ptCount val="1"/>
+                <c:pt idx="0">
+                  <c:v>Variable Difference</c:v>
+                </c:pt>
+              </c:strCache>
+            </c:strRef>
+          </c:tx>
+          <c:spPr>
+            <a:ln w="28575" cap="rnd">
+              <a:solidFill>
+                <a:schemeClr val="accent1"/>
+              </a:solidFill>
+              <a:round/>
+            </a:ln>
+            <a:effectLst/>
+          </c:spPr>
+          <c:marker>
+            <c:symbol val="none"/>
+          </c:marker>
+          <c:cat>
+            <c:strRef>
+              <c:f>Sheet1!$A$2:$A$8</c:f>
+              <c:strCache>
+                <c:ptCount val="7"/>
+                <c:pt idx="0">
+                  <c:v>1960's</c:v>
+                </c:pt>
+                <c:pt idx="1">
+                  <c:v>1970's</c:v>
+                </c:pt>
+                <c:pt idx="2">
+                  <c:v>1980's</c:v>
+                </c:pt>
+                <c:pt idx="3">
+                  <c:v>1990's</c:v>
+                </c:pt>
+                <c:pt idx="4">
+                  <c:v>2000's</c:v>
+                </c:pt>
+                <c:pt idx="5">
+                  <c:v>2010's</c:v>
+                </c:pt>
+                <c:pt idx="6">
+                  <c:v>2020</c:v>
+                </c:pt>
+              </c:strCache>
+            </c:strRef>
+          </c:cat>
+          <c:val>
+            <c:numRef>
+              <c:f>Sheet1!$B$2:$B$8</c:f>
+              <c:numCache>
+                <c:formatCode>General</c:formatCode>
+                <c:ptCount val="7"/>
+                <c:pt idx="0">
+                  <c:v>0.44</c:v>
+                </c:pt>
+                <c:pt idx="1">
+                  <c:v>0.38</c:v>
+                </c:pt>
+                <c:pt idx="2">
+                  <c:v>0.3</c:v>
+                </c:pt>
+                <c:pt idx="3">
+                  <c:v>0.45</c:v>
+                </c:pt>
+                <c:pt idx="4">
+                  <c:v>0.25</c:v>
+                </c:pt>
+                <c:pt idx="5">
+                  <c:v>0.25</c:v>
+                </c:pt>
+                <c:pt idx="6">
+                  <c:v>0.35</c:v>
+                </c:pt>
+              </c:numCache>
+            </c:numRef>
+          </c:val>
+          <c:smooth val="0"/>
+          <c:extLst>
+            <c:ext xmlns:c16="http://schemas.microsoft.com/office/drawing/2014/chart" uri="{C3380CC4-5D6E-409C-BE32-E72D297353CC}">
+              <c16:uniqueId val="{00000000-A25C-41F7-8E33-CBD24324BD1E}"/>
+            </c:ext>
+          </c:extLst>
+        </c:ser>
+        <c:dLbls>
+          <c:showLegendKey val="0"/>
+          <c:showVal val="0"/>
+          <c:showCatName val="0"/>
+          <c:showSerName val="0"/>
+          <c:showPercent val="0"/>
+          <c:showBubbleSize val="0"/>
+        </c:dLbls>
+        <c:smooth val="0"/>
+        <c:axId val="486248096"/>
+        <c:axId val="486250176"/>
+      </c:lineChart>
+      <c:catAx>
+        <c:axId val="486248096"/>
+        <c:scaling>
+          <c:orientation val="minMax"/>
+        </c:scaling>
+        <c:delete val="0"/>
+        <c:axPos val="b"/>
+        <c:numFmt formatCode="General" sourceLinked="1"/>
+        <c:majorTickMark val="none"/>
+        <c:minorTickMark val="none"/>
+        <c:tickLblPos val="nextTo"/>
+        <c:spPr>
+          <a:noFill/>
+          <a:ln w="9525" cap="flat" cmpd="sng" algn="ctr">
+            <a:solidFill>
+              <a:schemeClr val="tx1">
+                <a:lumMod val="15000"/>
+                <a:lumOff val="85000"/>
+              </a:schemeClr>
+            </a:solidFill>
+            <a:round/>
+          </a:ln>
+          <a:effectLst/>
+        </c:spPr>
+        <c:txPr>
+          <a:bodyPr rot="-60000000" spcFirstLastPara="1" vertOverflow="ellipsis" vert="horz" wrap="square" anchor="ctr" anchorCtr="1"/>
+          <a:lstStyle/>
+          <a:p>
+            <a:pPr>
+              <a:defRPr sz="1197" b="0" i="0" u="none" strike="noStrike" kern="1200" baseline="0">
+                <a:solidFill>
+                  <a:schemeClr val="tx1">
+                    <a:lumMod val="65000"/>
+                    <a:lumOff val="35000"/>
+                  </a:schemeClr>
+                </a:solidFill>
+                <a:latin typeface="+mn-lt"/>
+                <a:ea typeface="+mn-ea"/>
+                <a:cs typeface="+mn-cs"/>
+              </a:defRPr>
+            </a:pPr>
+            <a:endParaRPr lang="en-US"/>
+          </a:p>
+        </c:txPr>
+        <c:crossAx val="486250176"/>
+        <c:crosses val="autoZero"/>
+        <c:auto val="1"/>
+        <c:lblAlgn val="ctr"/>
+        <c:lblOffset val="100"/>
+        <c:noMultiLvlLbl val="0"/>
+      </c:catAx>
+      <c:valAx>
+        <c:axId val="486250176"/>
+        <c:scaling>
+          <c:orientation val="minMax"/>
+        </c:scaling>
+        <c:delete val="0"/>
+        <c:axPos val="l"/>
+        <c:majorGridlines>
+          <c:spPr>
+            <a:ln w="9525" cap="flat" cmpd="sng" algn="ctr">
+              <a:solidFill>
+                <a:schemeClr val="tx1">
+                  <a:lumMod val="15000"/>
+                  <a:lumOff val="85000"/>
+                </a:schemeClr>
+              </a:solidFill>
+              <a:round/>
+            </a:ln>
+            <a:effectLst/>
+          </c:spPr>
+        </c:majorGridlines>
+        <c:numFmt formatCode="General" sourceLinked="1"/>
+        <c:majorTickMark val="none"/>
+        <c:minorTickMark val="none"/>
+        <c:tickLblPos val="nextTo"/>
+        <c:spPr>
+          <a:noFill/>
+          <a:ln>
+            <a:noFill/>
+          </a:ln>
+          <a:effectLst/>
+        </c:spPr>
+        <c:txPr>
+          <a:bodyPr rot="-60000000" spcFirstLastPara="1" vertOverflow="ellipsis" vert="horz" wrap="square" anchor="ctr" anchorCtr="1"/>
+          <a:lstStyle/>
+          <a:p>
+            <a:pPr>
+              <a:defRPr sz="1197" b="0" i="0" u="none" strike="noStrike" kern="1200" baseline="0">
+                <a:solidFill>
+                  <a:schemeClr val="tx1">
+                    <a:lumMod val="65000"/>
+                    <a:lumOff val="35000"/>
+                  </a:schemeClr>
+                </a:solidFill>
+                <a:latin typeface="+mn-lt"/>
+                <a:ea typeface="+mn-ea"/>
+                <a:cs typeface="+mn-cs"/>
+              </a:defRPr>
+            </a:pPr>
+            <a:endParaRPr lang="en-US"/>
+          </a:p>
+        </c:txPr>
+        <c:crossAx val="486248096"/>
+        <c:crosses val="autoZero"/>
+        <c:crossBetween val="between"/>
+      </c:valAx>
+      <c:spPr>
+        <a:noFill/>
+        <a:ln>
+          <a:noFill/>
+        </a:ln>
+        <a:effectLst/>
+      </c:spPr>
+    </c:plotArea>
+    <c:plotVisOnly val="1"/>
+    <c:dispBlanksAs val="gap"/>
+    <c:extLst>
+      <c:ext xmlns:c16r3="http://schemas.microsoft.com/office/drawing/2017/03/chart" uri="{56B9EC1D-385E-4148-901F-78D8002777C0}">
+        <c16r3:dataDisplayOptions16>
+          <c16r3:dispNaAsBlank val="1"/>
+        </c16r3:dataDisplayOptions16>
+      </c:ext>
+    </c:extLst>
+    <c:showDLblsOverMax val="0"/>
+  </c:chart>
+  <c:spPr>
+    <a:noFill/>
+    <a:ln>
+      <a:noFill/>
+    </a:ln>
+    <a:effectLst/>
+  </c:spPr>
+  <c:txPr>
+    <a:bodyPr/>
+    <a:lstStyle/>
+    <a:p>
+      <a:pPr>
+        <a:defRPr/>
+      </a:pPr>
+      <a:endParaRPr lang="en-US"/>
+    </a:p>
+  </c:txPr>
+  <c:externalData r:id="rId3">
+    <c:autoUpdate val="0"/>
+  </c:externalData>
+</c:chartSpace>
+</file>
+
+<file path=ppt/charts/colors1.xml><?xml version="1.0" encoding="utf-8"?>
+<cs:colorStyle xmlns:cs="http://schemas.microsoft.com/office/drawing/2012/chartStyle" xmlns:a="http://schemas.openxmlformats.org/drawingml/2006/main" meth="cycle" id="10">
+  <a:schemeClr val="accent1"/>
+  <a:schemeClr val="accent2"/>
+  <a:schemeClr val="accent3"/>
+  <a:schemeClr val="accent4"/>
+  <a:schemeClr val="accent5"/>
+  <a:schemeClr val="accent6"/>
+  <cs:variation/>
+  <cs:variation>
+    <a:lumMod val="60000"/>
+  </cs:variation>
+  <cs:variation>
+    <a:lumMod val="80000"/>
+    <a:lumOff val="20000"/>
+  </cs:variation>
+  <cs:variation>
+    <a:lumMod val="80000"/>
+  </cs:variation>
+  <cs:variation>
+    <a:lumMod val="60000"/>
+    <a:lumOff val="40000"/>
+  </cs:variation>
+  <cs:variation>
+    <a:lumMod val="50000"/>
+  </cs:variation>
+  <cs:variation>
+    <a:lumMod val="70000"/>
+    <a:lumOff val="30000"/>
+  </cs:variation>
+  <cs:variation>
+    <a:lumMod val="70000"/>
+  </cs:variation>
+  <cs:variation>
+    <a:lumMod val="50000"/>
+    <a:lumOff val="50000"/>
+  </cs:variation>
+</cs:colorStyle>
+</file>
+
+<file path=ppt/charts/style1.xml><?xml version="1.0" encoding="utf-8"?>
+<cs:chartStyle xmlns:cs="http://schemas.microsoft.com/office/drawing/2012/chartStyle" xmlns:a="http://schemas.openxmlformats.org/drawingml/2006/main" id="227">
+  <cs:axisTitle>
+    <cs:lnRef idx="0"/>
+    <cs:fillRef idx="0"/>
+    <cs:effectRef idx="0"/>
+    <cs:fontRef idx="minor">
+      <a:schemeClr val="tx1">
+        <a:lumMod val="65000"/>
+        <a:lumOff val="35000"/>
+      </a:schemeClr>
+    </cs:fontRef>
+    <cs:defRPr sz="1330" kern="1200"/>
+  </cs:axisTitle>
+  <cs:categoryAxis>
+    <cs:lnRef idx="0"/>
+    <cs:fillRef idx="0"/>
+    <cs:effectRef idx="0"/>
+    <cs:fontRef idx="minor">
+      <a:schemeClr val="tx1">
+        <a:lumMod val="65000"/>
+        <a:lumOff val="35000"/>
+      </a:schemeClr>
+    </cs:fontRef>
+    <cs:spPr>
+      <a:ln w="9525" cap="flat" cmpd="sng" algn="ctr">
+        <a:solidFill>
+          <a:schemeClr val="tx1">
+            <a:lumMod val="15000"/>
+            <a:lumOff val="85000"/>
+          </a:schemeClr>
+        </a:solidFill>
+        <a:round/>
+      </a:ln>
+    </cs:spPr>
+    <cs:defRPr sz="1197" kern="1200"/>
+  </cs:categoryAxis>
+  <cs:chartArea mods="allowNoFillOverride allowNoLineOverride">
+    <cs:lnRef idx="0"/>
+    <cs:fillRef idx="0"/>
+    <cs:effectRef idx="0"/>
+    <cs:fontRef idx="minor">
+      <a:schemeClr val="tx1"/>
+    </cs:fontRef>
+    <cs:spPr>
+      <a:solidFill>
+        <a:schemeClr val="bg1"/>
+      </a:solidFill>
+      <a:ln w="9525" cap="flat" cmpd="sng" algn="ctr">
+        <a:solidFill>
+          <a:schemeClr val="tx1">
+            <a:lumMod val="15000"/>
+            <a:lumOff val="85000"/>
+          </a:schemeClr>
+        </a:solidFill>
+        <a:round/>
+      </a:ln>
+    </cs:spPr>
+    <cs:defRPr sz="1330" kern="1200"/>
+  </cs:chartArea>
+  <cs:dataLabel>
+    <cs:lnRef idx="0"/>
+    <cs:fillRef idx="0"/>
+    <cs:effectRef idx="0"/>
+    <cs:fontRef idx="minor">
+      <a:schemeClr val="tx1">
+        <a:lumMod val="75000"/>
+        <a:lumOff val="25000"/>
+      </a:schemeClr>
+    </cs:fontRef>
+    <cs:defRPr sz="1197" kern="1200"/>
+  </cs:dataLabel>
+  <cs:dataLabelCallout>
+    <cs:lnRef idx="0"/>
+    <cs:fillRef idx="0"/>
+    <cs:effectRef idx="0"/>
+    <cs:fontRef idx="minor">
+      <a:schemeClr val="dk1">
+        <a:lumMod val="65000"/>
+        <a:lumOff val="35000"/>
+      </a:schemeClr>
+    </cs:fontRef>
+    <cs:spPr>
+      <a:solidFill>
+        <a:schemeClr val="lt1"/>
+      </a:solidFill>
+      <a:ln>
+        <a:solidFill>
+          <a:schemeClr val="dk1">
+            <a:lumMod val="25000"/>
+            <a:lumOff val="75000"/>
+          </a:schemeClr>
+        </a:solidFill>
+      </a:ln>
+    </cs:spPr>
+    <cs:defRPr sz="1197" kern="1200"/>
+    <cs:bodyPr rot="0" spcFirstLastPara="1" vertOverflow="clip" horzOverflow="clip" vert="horz" wrap="square" lIns="36576" tIns="18288" rIns="36576" bIns="18288" anchor="ctr" anchorCtr="1">
+      <a:spAutoFit/>
+    </cs:bodyPr>
+  </cs:dataLabelCallout>
+  <cs:dataPoint>
+    <cs:lnRef idx="0"/>
+    <cs:fillRef idx="1">
+      <cs:styleClr val="auto"/>
+    </cs:fillRef>
+    <cs:effectRef idx="0"/>
+    <cs:fontRef idx="minor">
+      <a:schemeClr val="tx1"/>
+    </cs:fontRef>
+    <cs:spPr>
+      <a:solidFill>
+        <a:schemeClr val="phClr"/>
+      </a:solidFill>
+    </cs:spPr>
+  </cs:dataPoint>
+  <cs:dataPoint3D>
+    <cs:lnRef idx="0"/>
+    <cs:fillRef idx="1">
+      <cs:styleClr val="auto"/>
+    </cs:fillRef>
+    <cs:effectRef idx="0"/>
+    <cs:fontRef idx="minor">
+      <a:schemeClr val="tx1"/>
+    </cs:fontRef>
+    <cs:spPr>
+      <a:solidFill>
+        <a:schemeClr val="phClr"/>
+      </a:solidFill>
+    </cs:spPr>
+  </cs:dataPoint3D>
+  <cs:dataPointLine>
+    <cs:lnRef idx="0">
+      <cs:styleClr val="auto"/>
+    </cs:lnRef>
+    <cs:fillRef idx="1"/>
+    <cs:effectRef idx="0"/>
+    <cs:fontRef idx="minor">
+      <a:schemeClr val="tx1"/>
+    </cs:fontRef>
+    <cs:spPr>
+      <a:ln w="28575" cap="rnd">
+        <a:solidFill>
+          <a:schemeClr val="phClr"/>
+        </a:solidFill>
+        <a:round/>
+      </a:ln>
+    </cs:spPr>
+  </cs:dataPointLine>
+  <cs:dataPointMarker>
+    <cs:lnRef idx="0">
+      <cs:styleClr val="auto"/>
+    </cs:lnRef>
+    <cs:fillRef idx="1">
+      <cs:styleClr val="auto"/>
+    </cs:fillRef>
+    <cs:effectRef idx="0"/>
+    <cs:fontRef idx="minor">
+      <a:schemeClr val="tx1"/>
+    </cs:fontRef>
+    <cs:spPr>
+      <a:solidFill>
+        <a:schemeClr val="phClr"/>
+      </a:solidFill>
+      <a:ln w="9525">
+        <a:solidFill>
+          <a:schemeClr val="phClr"/>
+        </a:solidFill>
+      </a:ln>
+    </cs:spPr>
+  </cs:dataPointMarker>
+  <cs:dataPointMarkerLayout symbol="circle" size="5"/>
+  <cs:dataPointWireframe>
+    <cs:lnRef idx="0">
+      <cs:styleClr val="auto"/>
+    </cs:lnRef>
+    <cs:fillRef idx="1"/>
+    <cs:effectRef idx="0"/>
+    <cs:fontRef idx="minor">
+      <a:schemeClr val="tx1"/>
+    </cs:fontRef>
+    <cs:spPr>
+      <a:ln w="9525" cap="rnd">
+        <a:solidFill>
+          <a:schemeClr val="phClr"/>
+        </a:solidFill>
+        <a:round/>
+      </a:ln>
+    </cs:spPr>
+  </cs:dataPointWireframe>
+  <cs:dataTable>
+    <cs:lnRef idx="0"/>
+    <cs:fillRef idx="0"/>
+    <cs:effectRef idx="0"/>
+    <cs:fontRef idx="minor">
+      <a:schemeClr val="tx1">
+        <a:lumMod val="65000"/>
+        <a:lumOff val="35000"/>
+      </a:schemeClr>
+    </cs:fontRef>
+    <cs:spPr>
+      <a:noFill/>
+      <a:ln w="9525" cap="flat" cmpd="sng" algn="ctr">
+        <a:solidFill>
+          <a:schemeClr val="tx1">
+            <a:lumMod val="15000"/>
+            <a:lumOff val="85000"/>
+          </a:schemeClr>
+        </a:solidFill>
+        <a:round/>
+      </a:ln>
+    </cs:spPr>
+    <cs:defRPr sz="1197" kern="1200"/>
+  </cs:dataTable>
+  <cs:downBar>
+    <cs:lnRef idx="0"/>
+    <cs:fillRef idx="0"/>
+    <cs:effectRef idx="0"/>
+    <cs:fontRef idx="minor">
+      <a:schemeClr val="dk1"/>
+    </cs:fontRef>
+    <cs:spPr>
+      <a:solidFill>
+        <a:schemeClr val="dk1">
+          <a:lumMod val="65000"/>
+          <a:lumOff val="35000"/>
+        </a:schemeClr>
+      </a:solidFill>
+      <a:ln w="9525">
+        <a:solidFill>
+          <a:schemeClr val="tx1">
+            <a:lumMod val="65000"/>
+            <a:lumOff val="35000"/>
+          </a:schemeClr>
+        </a:solidFill>
+      </a:ln>
+    </cs:spPr>
+  </cs:downBar>
+  <cs:dropLine>
+    <cs:lnRef idx="0"/>
+    <cs:fillRef idx="0"/>
+    <cs:effectRef idx="0"/>
+    <cs:fontRef idx="minor">
+      <a:schemeClr val="tx1"/>
+    </cs:fontRef>
+    <cs:spPr>
+      <a:ln w="9525" cap="flat" cmpd="sng" algn="ctr">
+        <a:solidFill>
+          <a:schemeClr val="tx1">
+            <a:lumMod val="35000"/>
+            <a:lumOff val="65000"/>
+          </a:schemeClr>
+        </a:solidFill>
+        <a:round/>
+      </a:ln>
+    </cs:spPr>
+  </cs:dropLine>
+  <cs:errorBar>
+    <cs:lnRef idx="0"/>
+    <cs:fillRef idx="0"/>
+    <cs:effectRef idx="0"/>
+    <cs:fontRef idx="minor">
+      <a:schemeClr val="tx1"/>
+    </cs:fontRef>
+    <cs:spPr>
+      <a:ln w="9525" cap="flat" cmpd="sng" algn="ctr">
+        <a:solidFill>
+          <a:schemeClr val="tx1">
+            <a:lumMod val="65000"/>
+            <a:lumOff val="35000"/>
+          </a:schemeClr>
+        </a:solidFill>
+        <a:round/>
+      </a:ln>
+    </cs:spPr>
+  </cs:errorBar>
+  <cs:floor>
+    <cs:lnRef idx="0"/>
+    <cs:fillRef idx="0"/>
+    <cs:effectRef idx="0"/>
+    <cs:fontRef idx="minor">
+      <a:schemeClr val="tx1"/>
+    </cs:fontRef>
+    <cs:spPr>
+      <a:noFill/>
+      <a:ln>
+        <a:noFill/>
+      </a:ln>
+    </cs:spPr>
+  </cs:floor>
+  <cs:gridlineMajor>
+    <cs:lnRef idx="0"/>
+    <cs:fillRef idx="0"/>
+    <cs:effectRef idx="0"/>
+    <cs:fontRef idx="minor">
+      <a:schemeClr val="tx1"/>
+    </cs:fontRef>
+    <cs:spPr>
+      <a:ln w="9525" cap="flat" cmpd="sng" algn="ctr">
+        <a:solidFill>
+          <a:schemeClr val="tx1">
+            <a:lumMod val="15000"/>
+            <a:lumOff val="85000"/>
+          </a:schemeClr>
+        </a:solidFill>
+        <a:round/>
+      </a:ln>
+    </cs:spPr>
+  </cs:gridlineMajor>
+  <cs:gridlineMinor>
+    <cs:lnRef idx="0"/>
+    <cs:fillRef idx="0"/>
+    <cs:effectRef idx="0"/>
+    <cs:fontRef idx="minor">
+      <a:schemeClr val="tx1"/>
+    </cs:fontRef>
+    <cs:spPr>
+      <a:ln w="9525" cap="flat" cmpd="sng" algn="ctr">
+        <a:solidFill>
+          <a:schemeClr val="tx1">
+            <a:lumMod val="5000"/>
+            <a:lumOff val="95000"/>
+          </a:schemeClr>
+        </a:solidFill>
+        <a:round/>
+      </a:ln>
+    </cs:spPr>
+  </cs:gridlineMinor>
+  <cs:hiLoLine>
+    <cs:lnRef idx="0"/>
+    <cs:fillRef idx="0"/>
+    <cs:effectRef idx="0"/>
+    <cs:fontRef idx="minor">
+      <a:schemeClr val="tx1"/>
+    </cs:fontRef>
+    <cs:spPr>
+      <a:ln w="9525" cap="flat" cmpd="sng" algn="ctr">
+        <a:solidFill>
+          <a:schemeClr val="tx1">
+            <a:lumMod val="75000"/>
+            <a:lumOff val="25000"/>
+          </a:schemeClr>
+        </a:solidFill>
+        <a:round/>
+      </a:ln>
+    </cs:spPr>
+  </cs:hiLoLine>
+  <cs:leaderLine>
+    <cs:lnRef idx="0"/>
+    <cs:fillRef idx="0"/>
+    <cs:effectRef idx="0"/>
+    <cs:fontRef idx="minor">
+      <a:schemeClr val="tx1"/>
+    </cs:fontRef>
+    <cs:spPr>
+      <a:ln w="9525" cap="flat" cmpd="sng" algn="ctr">
+        <a:solidFill>
+          <a:schemeClr val="tx1">
+            <a:lumMod val="35000"/>
+            <a:lumOff val="65000"/>
+          </a:schemeClr>
+        </a:solidFill>
+        <a:round/>
+      </a:ln>
+    </cs:spPr>
+  </cs:leaderLine>
+  <cs:legend>
+    <cs:lnRef idx="0"/>
+    <cs:fillRef idx="0"/>
+    <cs:effectRef idx="0"/>
+    <cs:fontRef idx="minor">
+      <a:schemeClr val="tx1">
+        <a:lumMod val="65000"/>
+        <a:lumOff val="35000"/>
+      </a:schemeClr>
+    </cs:fontRef>
+    <cs:defRPr sz="1197" kern="1200"/>
+  </cs:legend>
+  <cs:plotArea mods="allowNoFillOverride allowNoLineOverride">
+    <cs:lnRef idx="0"/>
+    <cs:fillRef idx="0"/>
+    <cs:effectRef idx="0"/>
+    <cs:fontRef idx="minor">
+      <a:schemeClr val="tx1"/>
+    </cs:fontRef>
+  </cs:plotArea>
+  <cs:plotArea3D mods="allowNoFillOverride allowNoLineOverride">
+    <cs:lnRef idx="0"/>
+    <cs:fillRef idx="0"/>
+    <cs:effectRef idx="0"/>
+    <cs:fontRef idx="minor">
+      <a:schemeClr val="tx1"/>
+    </cs:fontRef>
+  </cs:plotArea3D>
+  <cs:seriesAxis>
+    <cs:lnRef idx="0"/>
+    <cs:fillRef idx="0"/>
+    <cs:effectRef idx="0"/>
+    <cs:fontRef idx="minor">
+      <a:schemeClr val="tx1">
+        <a:lumMod val="65000"/>
+        <a:lumOff val="35000"/>
+      </a:schemeClr>
+    </cs:fontRef>
+    <cs:defRPr sz="1197" kern="1200"/>
+  </cs:seriesAxis>
+  <cs:seriesLine>
+    <cs:lnRef idx="0"/>
+    <cs:fillRef idx="0"/>
+    <cs:effectRef idx="0"/>
+    <cs:fontRef idx="minor">
+      <a:schemeClr val="tx1"/>
+    </cs:fontRef>
+    <cs:spPr>
+      <a:ln w="9525" cap="flat" cmpd="sng" algn="ctr">
+        <a:solidFill>
+          <a:schemeClr val="tx1">
+            <a:lumMod val="35000"/>
+            <a:lumOff val="65000"/>
+          </a:schemeClr>
+        </a:solidFill>
+        <a:round/>
+      </a:ln>
+    </cs:spPr>
+  </cs:seriesLine>
+  <cs:title>
+    <cs:lnRef idx="0"/>
+    <cs:fillRef idx="0"/>
+    <cs:effectRef idx="0"/>
+    <cs:fontRef idx="minor">
+      <a:schemeClr val="tx1">
+        <a:lumMod val="65000"/>
+        <a:lumOff val="35000"/>
+      </a:schemeClr>
+    </cs:fontRef>
+    <cs:defRPr sz="1862" b="0" kern="1200" spc="0" baseline="0"/>
+  </cs:title>
+  <cs:trendline>
+    <cs:lnRef idx="0">
+      <cs:styleClr val="auto"/>
+    </cs:lnRef>
+    <cs:fillRef idx="0"/>
+    <cs:effectRef idx="0"/>
+    <cs:fontRef idx="minor">
+      <a:schemeClr val="tx1"/>
+    </cs:fontRef>
+    <cs:spPr>
+      <a:ln w="19050" cap="rnd">
+        <a:solidFill>
+          <a:schemeClr val="phClr"/>
+        </a:solidFill>
+        <a:prstDash val="sysDot"/>
+      </a:ln>
+    </cs:spPr>
+  </cs:trendline>
+  <cs:trendlineLabel>
+    <cs:lnRef idx="0"/>
+    <cs:fillRef idx="0"/>
+    <cs:effectRef idx="0"/>
+    <cs:fontRef idx="minor">
+      <a:schemeClr val="tx1">
+        <a:lumMod val="65000"/>
+        <a:lumOff val="35000"/>
+      </a:schemeClr>
+    </cs:fontRef>
+    <cs:defRPr sz="1197" kern="1200"/>
+  </cs:trendlineLabel>
+  <cs:upBar>
+    <cs:lnRef idx="0"/>
+    <cs:fillRef idx="0"/>
+    <cs:effectRef idx="0"/>
+    <cs:fontRef idx="minor">
+      <a:schemeClr val="dk1"/>
+    </cs:fontRef>
+    <cs:spPr>
+      <a:solidFill>
+        <a:schemeClr val="lt1"/>
+      </a:solidFill>
+      <a:ln w="9525">
+        <a:solidFill>
+          <a:schemeClr val="tx1">
+            <a:lumMod val="15000"/>
+            <a:lumOff val="85000"/>
+          </a:schemeClr>
+        </a:solidFill>
+      </a:ln>
+    </cs:spPr>
+  </cs:upBar>
+  <cs:valueAxis>
+    <cs:lnRef idx="0"/>
+    <cs:fillRef idx="0"/>
+    <cs:effectRef idx="0"/>
+    <cs:fontRef idx="minor">
+      <a:schemeClr val="tx1">
+        <a:lumMod val="65000"/>
+        <a:lumOff val="35000"/>
+      </a:schemeClr>
+    </cs:fontRef>
+    <cs:defRPr sz="1197" kern="1200"/>
+  </cs:valueAxis>
+  <cs:wall>
+    <cs:lnRef idx="0"/>
+    <cs:fillRef idx="0"/>
+    <cs:effectRef idx="0"/>
+    <cs:fontRef idx="minor">
+      <a:schemeClr val="tx1"/>
+    </cs:fontRef>
+    <cs:spPr>
+      <a:noFill/>
+      <a:ln>
+        <a:noFill/>
+      </a:ln>
+    </cs:spPr>
+  </cs:wall>
+</cs:chartStyle>
+</file>
+
 <file path=ppt/slideLayouts/slideLayout1.xml><?xml version="1.0" encoding="utf-8"?>
 <p:sldLayout xmlns:a="http://schemas.openxmlformats.org/drawingml/2006/main" xmlns:r="http://schemas.openxmlformats.org/officeDocument/2006/relationships" xmlns:p="http://schemas.openxmlformats.org/presentationml/2006/main" showMasterSp="0" type="title" preserve="1">
   <p:cSld name="Title Slide">
@@ -844,7 +1733,7 @@
           <a:p>
             <a:fld id="{0142EE02-5F7F-4E3B-A929-5629BD7322D4}" type="datetimeFigureOut">
               <a:rPr lang="en-US" smtClean="0"/>
-              <a:t>12/22/2021</a:t>
+              <a:t>1/4/2022</a:t>
             </a:fld>
             <a:endParaRPr lang="en-US"/>
           </a:p>
@@ -1096,7 +1985,7 @@
             <a:fld id="{276D79ED-3FA7-4EF8-964B-EB8BCFAB02F8}" type="datetimeFigureOut">
               <a:rPr lang="en-US" smtClean="0"/>
               <a:pPr/>
-              <a:t>12/22/2021</a:t>
+              <a:t>1/4/2022</a:t>
             </a:fld>
             <a:endParaRPr lang="en-US"/>
           </a:p>
@@ -1412,7 +2301,7 @@
             <a:fld id="{276D79ED-3FA7-4EF8-964B-EB8BCFAB02F8}" type="datetimeFigureOut">
               <a:rPr lang="en-US" smtClean="0"/>
               <a:pPr/>
-              <a:t>12/22/2021</a:t>
+              <a:t>1/4/2022</a:t>
             </a:fld>
             <a:endParaRPr lang="en-US"/>
           </a:p>
@@ -1741,7 +2630,7 @@
             <a:fld id="{276D79ED-3FA7-4EF8-964B-EB8BCFAB02F8}" type="datetimeFigureOut">
               <a:rPr lang="en-US" smtClean="0"/>
               <a:pPr/>
-              <a:t>12/22/2021</a:t>
+              <a:t>1/4/2022</a:t>
             </a:fld>
             <a:endParaRPr lang="en-US"/>
           </a:p>
@@ -2057,7 +2946,7 @@
             <a:fld id="{276D79ED-3FA7-4EF8-964B-EB8BCFAB02F8}" type="datetimeFigureOut">
               <a:rPr lang="en-US" smtClean="0"/>
               <a:pPr/>
-              <a:t>12/22/2021</a:t>
+              <a:t>1/4/2022</a:t>
             </a:fld>
             <a:endParaRPr lang="en-US"/>
           </a:p>
@@ -2446,7 +3335,7 @@
             <a:fld id="{276D79ED-3FA7-4EF8-964B-EB8BCFAB02F8}" type="datetimeFigureOut">
               <a:rPr lang="en-US" smtClean="0"/>
               <a:pPr/>
-              <a:t>12/22/2021</a:t>
+              <a:t>1/4/2022</a:t>
             </a:fld>
             <a:endParaRPr lang="en-US"/>
           </a:p>
@@ -2618,7 +3507,7 @@
             <a:fld id="{276D79ED-3FA7-4EF8-964B-EB8BCFAB02F8}" type="datetimeFigureOut">
               <a:rPr lang="en-US" smtClean="0"/>
               <a:pPr/>
-              <a:t>12/22/2021</a:t>
+              <a:t>1/4/2022</a:t>
             </a:fld>
             <a:endParaRPr lang="en-US"/>
           </a:p>
@@ -2800,7 +3689,7 @@
             <a:fld id="{276D79ED-3FA7-4EF8-964B-EB8BCFAB02F8}" type="datetimeFigureOut">
               <a:rPr lang="en-US" smtClean="0"/>
               <a:pPr/>
-              <a:t>12/22/2021</a:t>
+              <a:t>1/4/2022</a:t>
             </a:fld>
             <a:endParaRPr lang="en-US"/>
           </a:p>
@@ -2977,7 +3866,7 @@
           <a:p>
             <a:fld id="{276D79ED-3FA7-4EF8-964B-EB8BCFAB02F8}" type="datetimeFigureOut">
               <a:rPr lang="en-US" smtClean="0"/>
-              <a:t>12/22/2021</a:t>
+              <a:t>1/4/2022</a:t>
             </a:fld>
             <a:endParaRPr lang="en-US"/>
           </a:p>
@@ -3225,7 +4114,7 @@
             <a:fld id="{276D79ED-3FA7-4EF8-964B-EB8BCFAB02F8}" type="datetimeFigureOut">
               <a:rPr lang="en-US" smtClean="0"/>
               <a:pPr/>
-              <a:t>12/22/2021</a:t>
+              <a:t>1/4/2022</a:t>
             </a:fld>
             <a:endParaRPr lang="en-US"/>
           </a:p>
@@ -3458,7 +4347,7 @@
           <a:p>
             <a:fld id="{276D79ED-3FA7-4EF8-964B-EB8BCFAB02F8}" type="datetimeFigureOut">
               <a:rPr lang="en-US" smtClean="0"/>
-              <a:t>12/22/2021</a:t>
+              <a:t>1/4/2022</a:t>
             </a:fld>
             <a:endParaRPr lang="en-US"/>
           </a:p>
@@ -3832,7 +4721,7 @@
           <a:p>
             <a:fld id="{276D79ED-3FA7-4EF8-964B-EB8BCFAB02F8}" type="datetimeFigureOut">
               <a:rPr lang="en-US" smtClean="0"/>
-              <a:t>12/22/2021</a:t>
+              <a:t>1/4/2022</a:t>
             </a:fld>
             <a:endParaRPr lang="en-US"/>
           </a:p>
@@ -3955,7 +4844,7 @@
           <a:p>
             <a:fld id="{276D79ED-3FA7-4EF8-964B-EB8BCFAB02F8}" type="datetimeFigureOut">
               <a:rPr lang="en-US" smtClean="0"/>
-              <a:t>12/22/2021</a:t>
+              <a:t>1/4/2022</a:t>
             </a:fld>
             <a:endParaRPr lang="en-US"/>
           </a:p>
@@ -4050,7 +4939,7 @@
           <a:p>
             <a:fld id="{276D79ED-3FA7-4EF8-964B-EB8BCFAB02F8}" type="datetimeFigureOut">
               <a:rPr lang="en-US" smtClean="0"/>
-              <a:t>12/22/2021</a:t>
+              <a:t>1/4/2022</a:t>
             </a:fld>
             <a:endParaRPr lang="en-US"/>
           </a:p>
@@ -4305,7 +5194,7 @@
           <a:p>
             <a:fld id="{276D79ED-3FA7-4EF8-964B-EB8BCFAB02F8}" type="datetimeFigureOut">
               <a:rPr lang="en-US" smtClean="0"/>
-              <a:t>12/22/2021</a:t>
+              <a:t>1/4/2022</a:t>
             </a:fld>
             <a:endParaRPr lang="en-US"/>
           </a:p>
@@ -4568,7 +5457,7 @@
           <a:p>
             <a:fld id="{276D79ED-3FA7-4EF8-964B-EB8BCFAB02F8}" type="datetimeFigureOut">
               <a:rPr lang="en-US" smtClean="0"/>
-              <a:t>12/22/2021</a:t>
+              <a:t>1/4/2022</a:t>
             </a:fld>
             <a:endParaRPr lang="en-US"/>
           </a:p>
@@ -5314,7 +6203,7 @@
             <a:fld id="{276D79ED-3FA7-4EF8-964B-EB8BCFAB02F8}" type="datetimeFigureOut">
               <a:rPr lang="en-US" smtClean="0"/>
               <a:pPr/>
-              <a:t>12/22/2021</a:t>
+              <a:t>1/4/2022</a:t>
             </a:fld>
             <a:endParaRPr lang="en-US"/>
           </a:p>
@@ -6336,6 +7225,200 @@
 </p:sld>
 </file>
 
+<file path=ppt/slides/slide10.xml><?xml version="1.0" encoding="utf-8"?>
+<p:sld xmlns:a="http://schemas.openxmlformats.org/drawingml/2006/main" xmlns:r="http://schemas.openxmlformats.org/officeDocument/2006/relationships" xmlns:p="http://schemas.openxmlformats.org/presentationml/2006/main">
+  <p:cSld>
+    <p:spTree>
+      <p:nvGrpSpPr>
+        <p:cNvPr id="1" name=""/>
+        <p:cNvGrpSpPr/>
+        <p:nvPr/>
+      </p:nvGrpSpPr>
+      <p:grpSpPr>
+        <a:xfrm>
+          <a:off x="0" y="0"/>
+          <a:ext cx="0" cy="0"/>
+          <a:chOff x="0" y="0"/>
+          <a:chExt cx="0" cy="0"/>
+        </a:xfrm>
+      </p:grpSpPr>
+      <p:sp>
+        <p:nvSpPr>
+          <p:cNvPr id="2" name="Title 1">
+            <a:extLst>
+              <a:ext uri="{FF2B5EF4-FFF2-40B4-BE49-F238E27FC236}">
+                <a16:creationId xmlns:a16="http://schemas.microsoft.com/office/drawing/2014/main" id="{51FEBF19-328E-483D-9371-E23649C9EDE8}"/>
+              </a:ext>
+            </a:extLst>
+          </p:cNvPr>
+          <p:cNvSpPr>
+            <a:spLocks noGrp="1"/>
+          </p:cNvSpPr>
+          <p:nvPr>
+            <p:ph type="title"/>
+          </p:nvPr>
+        </p:nvSpPr>
+        <p:spPr/>
+        <p:txBody>
+          <a:bodyPr/>
+          <a:lstStyle/>
+          <a:p>
+            <a:r>
+              <a:rPr lang="en-US" dirty="0"/>
+              <a:t>Sources</a:t>
+            </a:r>
+          </a:p>
+        </p:txBody>
+      </p:sp>
+      <p:sp>
+        <p:nvSpPr>
+          <p:cNvPr id="6" name="TextBox 5">
+            <a:extLst>
+              <a:ext uri="{FF2B5EF4-FFF2-40B4-BE49-F238E27FC236}">
+                <a16:creationId xmlns:a16="http://schemas.microsoft.com/office/drawing/2014/main" id="{2269980B-C3F7-4F07-A82E-61EF8D9627BE}"/>
+              </a:ext>
+            </a:extLst>
+          </p:cNvPr>
+          <p:cNvSpPr txBox="1"/>
+          <p:nvPr/>
+        </p:nvSpPr>
+        <p:spPr>
+          <a:xfrm>
+            <a:off x="3471438" y="1305341"/>
+            <a:ext cx="6233819" cy="4247317"/>
+          </a:xfrm>
+          <a:prstGeom prst="rect">
+            <a:avLst/>
+          </a:prstGeom>
+          <a:noFill/>
+        </p:spPr>
+        <p:txBody>
+          <a:bodyPr wrap="square" rtlCol="0">
+            <a:spAutoFit/>
+          </a:bodyPr>
+          <a:lstStyle/>
+          <a:p>
+            <a:r>
+              <a:rPr lang="en-US" b="0" i="0" u="none" strike="noStrike" dirty="0">
+                <a:effectLst/>
+                <a:latin typeface="-apple-system"/>
+                <a:hlinkClick r:id="rId2"/>
+              </a:rPr>
+              <a:t>https://wallpaperaccess.com/full/1373271.jpg</a:t>
+            </a:r>
+            <a:endParaRPr lang="en-US" b="0" i="0" u="none" strike="noStrike" dirty="0">
+              <a:effectLst/>
+              <a:latin typeface="-apple-system"/>
+            </a:endParaRPr>
+          </a:p>
+          <a:p>
+            <a:endParaRPr lang="en-US" b="0" i="0" u="none" strike="noStrike" dirty="0">
+              <a:effectLst/>
+              <a:latin typeface="-apple-system"/>
+            </a:endParaRPr>
+          </a:p>
+          <a:p>
+            <a:r>
+              <a:rPr lang="en-US" b="0" i="0" u="none" strike="noStrike" dirty="0">
+                <a:effectLst/>
+                <a:latin typeface="-apple-system"/>
+                <a:hlinkClick r:id="rId3" tooltip="https://towardsdatascience.com/visualizing-spotify-songs-with-python-an-exploratory-data-analysis-fc3fae3c2c09"/>
+              </a:rPr>
+              <a:t>https://towardsdatascience.com/visualizing-spotify-songs-with-python-an-exploratory-data-analysis-fc3fae3c2c09</a:t>
+            </a:r>
+            <a:endParaRPr lang="en-US" b="0" i="0" u="none" strike="noStrike" dirty="0">
+              <a:effectLst/>
+              <a:latin typeface="-apple-system"/>
+            </a:endParaRPr>
+          </a:p>
+          <a:p>
+            <a:endParaRPr lang="en-US" dirty="0">
+              <a:latin typeface="-apple-system"/>
+            </a:endParaRPr>
+          </a:p>
+          <a:p>
+            <a:r>
+              <a:rPr lang="en-US" b="0" i="0" u="none" strike="noStrike" dirty="0">
+                <a:effectLst/>
+                <a:latin typeface="-apple-system"/>
+                <a:hlinkClick r:id="rId4" tooltip="https://developer.spotify.com/"/>
+              </a:rPr>
+              <a:t>https://developer.spotify.com/</a:t>
+            </a:r>
+            <a:endParaRPr lang="en-US" b="0" i="0" u="none" strike="noStrike" dirty="0">
+              <a:effectLst/>
+              <a:latin typeface="-apple-system"/>
+            </a:endParaRPr>
+          </a:p>
+          <a:p>
+            <a:endParaRPr lang="en-US" dirty="0">
+              <a:latin typeface="-apple-system"/>
+            </a:endParaRPr>
+          </a:p>
+          <a:p>
+            <a:r>
+              <a:rPr lang="en-US" b="0" i="0" u="none" strike="noStrike" dirty="0">
+                <a:effectLst/>
+                <a:latin typeface="-apple-system"/>
+                <a:hlinkClick r:id="rId5" tooltip="https://spotipy.readthedocs.io/en/2.19.0/"/>
+              </a:rPr>
+              <a:t>https://spotipy.readthedocs.io/en/2.19.0/</a:t>
+            </a:r>
+            <a:endParaRPr lang="en-US" b="0" i="0" u="none" strike="noStrike" dirty="0">
+              <a:effectLst/>
+              <a:latin typeface="-apple-system"/>
+            </a:endParaRPr>
+          </a:p>
+          <a:p>
+            <a:endParaRPr lang="en-US" dirty="0">
+              <a:latin typeface="-apple-system"/>
+            </a:endParaRPr>
+          </a:p>
+          <a:p>
+            <a:r>
+              <a:rPr lang="en-US" b="0" i="0" u="none" strike="noStrike" dirty="0">
+                <a:effectLst/>
+                <a:latin typeface="-apple-system"/>
+                <a:hlinkClick r:id="rId6" tooltip="https://www.billboard.com/charts/year-end/2020/hot-country-songs/"/>
+              </a:rPr>
+              <a:t>https://www.billboard.com/charts/year-end/2020/hot-country-songs/</a:t>
+            </a:r>
+            <a:endParaRPr lang="en-US" b="0" i="0" u="none" strike="noStrike" dirty="0">
+              <a:effectLst/>
+              <a:latin typeface="-apple-system"/>
+            </a:endParaRPr>
+          </a:p>
+          <a:p>
+            <a:endParaRPr lang="en-US" dirty="0">
+              <a:latin typeface="-apple-system"/>
+            </a:endParaRPr>
+          </a:p>
+          <a:p>
+            <a:r>
+              <a:rPr lang="en-US" b="0" i="0" u="none" strike="noStrike" dirty="0">
+                <a:effectLst/>
+                <a:latin typeface="-apple-system"/>
+                <a:hlinkClick r:id="rId7" tooltip="https://medium.com/web-mining-is688-spring-2021/preliminary-data-analysis-on-spotify-data-using-api-a84bb0aae00c"/>
+              </a:rPr>
+              <a:t>https://medium.com/web-mining-is688-spring-2021/preliminary-data-analysis-on-spotify-data-using-api-a84bb0aae00c</a:t>
+            </a:r>
+            <a:endParaRPr lang="en-US" dirty="0"/>
+          </a:p>
+        </p:txBody>
+      </p:sp>
+    </p:spTree>
+    <p:extLst>
+      <p:ext uri="{BB962C8B-B14F-4D97-AF65-F5344CB8AC3E}">
+        <p14:creationId xmlns:p14="http://schemas.microsoft.com/office/powerpoint/2010/main" val="2813090593"/>
+      </p:ext>
+    </p:extLst>
+  </p:cSld>
+  <p:clrMapOvr>
+    <a:masterClrMapping/>
+  </p:clrMapOvr>
+</p:sld>
+</file>
+
 <file path=ppt/slides/slide2.xml><?xml version="1.0" encoding="utf-8"?>
 <p:sld xmlns:a="http://schemas.openxmlformats.org/drawingml/2006/main" xmlns:r="http://schemas.openxmlformats.org/officeDocument/2006/relationships" xmlns:p="http://schemas.openxmlformats.org/presentationml/2006/main">
   <p:cSld>
@@ -9700,7 +10783,7 @@
                   <a:schemeClr val="bg1"/>
                 </a:solidFill>
               </a:rPr>
-              <a:t>How does the progression of country music compare to pop music?</a:t>
+              <a:t>How have pop and country music's trajectories correlated/diverted?</a:t>
             </a:r>
           </a:p>
         </p:txBody>
@@ -10046,7 +11129,7 @@
       </p:grpSpPr>
       <p:grpSp>
         <p:nvGrpSpPr>
-          <p:cNvPr id="4100" name="Group 70">
+          <p:cNvPr id="83" name="Group 82">
             <a:extLst>
               <a:ext uri="{FF2B5EF4-FFF2-40B4-BE49-F238E27FC236}">
                 <a16:creationId xmlns:a16="http://schemas.microsoft.com/office/drawing/2014/main" id="{6A761A44-A936-4382-8A16-7ED6A2903DD0}"/>
@@ -10077,7 +11160,7 @@
         </p:grpSpPr>
         <p:cxnSp>
           <p:nvCxnSpPr>
-            <p:cNvPr id="72" name="Straight Connector 71">
+            <p:cNvPr id="84" name="Straight Connector 83">
               <a:extLst>
                 <a:ext uri="{FF2B5EF4-FFF2-40B4-BE49-F238E27FC236}">
                   <a16:creationId xmlns:a16="http://schemas.microsoft.com/office/drawing/2014/main" id="{5459EE73-661E-48AA-A374-BF2B850F581A}"/>
@@ -10130,7 +11213,7 @@
         </p:cxnSp>
         <p:cxnSp>
           <p:nvCxnSpPr>
-            <p:cNvPr id="73" name="Straight Connector 72">
+            <p:cNvPr id="85" name="Straight Connector 84">
               <a:extLst>
                 <a:ext uri="{FF2B5EF4-FFF2-40B4-BE49-F238E27FC236}">
                   <a16:creationId xmlns:a16="http://schemas.microsoft.com/office/drawing/2014/main" id="{D653EA91-5E43-427F-B0AB-1B8A496BC633}"/>
@@ -10183,7 +11266,7 @@
         </p:cxnSp>
         <p:sp>
           <p:nvSpPr>
-            <p:cNvPr id="74" name="Rectangle 23">
+            <p:cNvPr id="86" name="Rectangle 23">
               <a:extLst>
                 <a:ext uri="{FF2B5EF4-FFF2-40B4-BE49-F238E27FC236}">
                   <a16:creationId xmlns:a16="http://schemas.microsoft.com/office/drawing/2014/main" id="{57571081-E136-40F9-B123-3A16F53BEB16}"/>
@@ -10261,7 +11344,7 @@
         </p:sp>
         <p:sp>
           <p:nvSpPr>
-            <p:cNvPr id="75" name="Rectangle 25">
+            <p:cNvPr id="87" name="Rectangle 25">
               <a:extLst>
                 <a:ext uri="{FF2B5EF4-FFF2-40B4-BE49-F238E27FC236}">
                   <a16:creationId xmlns:a16="http://schemas.microsoft.com/office/drawing/2014/main" id="{73197C11-EFC2-4F71-BEFF-B7EE3EEFFB31}"/>
@@ -10339,7 +11422,7 @@
         </p:sp>
         <p:sp>
           <p:nvSpPr>
-            <p:cNvPr id="76" name="Isosceles Triangle 75">
+            <p:cNvPr id="88" name="Isosceles Triangle 87">
               <a:extLst>
                 <a:ext uri="{FF2B5EF4-FFF2-40B4-BE49-F238E27FC236}">
                   <a16:creationId xmlns:a16="http://schemas.microsoft.com/office/drawing/2014/main" id="{074C7561-7217-4DBC-8C63-2BB8560D62C1}"/>
@@ -10395,7 +11478,7 @@
         </p:sp>
         <p:sp>
           <p:nvSpPr>
-            <p:cNvPr id="77" name="Rectangle 27">
+            <p:cNvPr id="89" name="Rectangle 27">
               <a:extLst>
                 <a:ext uri="{FF2B5EF4-FFF2-40B4-BE49-F238E27FC236}">
                   <a16:creationId xmlns:a16="http://schemas.microsoft.com/office/drawing/2014/main" id="{6EB4E4EC-EA7F-4A46-9AF5-7E3E4E543B3E}"/>
@@ -10474,7 +11557,7 @@
         </p:sp>
         <p:sp>
           <p:nvSpPr>
-            <p:cNvPr id="78" name="Rectangle 28">
+            <p:cNvPr id="90" name="Rectangle 28">
               <a:extLst>
                 <a:ext uri="{FF2B5EF4-FFF2-40B4-BE49-F238E27FC236}">
                   <a16:creationId xmlns:a16="http://schemas.microsoft.com/office/drawing/2014/main" id="{9048D13B-C50D-4EF9-AB6D-86713B7D4383}"/>
@@ -10554,7 +11637,7 @@
         </p:sp>
         <p:sp>
           <p:nvSpPr>
-            <p:cNvPr id="79" name="Rectangle 29">
+            <p:cNvPr id="91" name="Rectangle 29">
               <a:extLst>
                 <a:ext uri="{FF2B5EF4-FFF2-40B4-BE49-F238E27FC236}">
                   <a16:creationId xmlns:a16="http://schemas.microsoft.com/office/drawing/2014/main" id="{8213FFC7-C869-40A9-8DBD-B311B342E744}"/>
@@ -10632,7 +11715,7 @@
         </p:sp>
         <p:sp>
           <p:nvSpPr>
-            <p:cNvPr id="80" name="Isosceles Triangle 79">
+            <p:cNvPr id="92" name="Isosceles Triangle 91">
               <a:extLst>
                 <a:ext uri="{FF2B5EF4-FFF2-40B4-BE49-F238E27FC236}">
                   <a16:creationId xmlns:a16="http://schemas.microsoft.com/office/drawing/2014/main" id="{A029FB91-93F5-4D40-9014-8D5108951E7D}"/>
@@ -10688,7 +11771,7 @@
         </p:sp>
         <p:sp>
           <p:nvSpPr>
-            <p:cNvPr id="81" name="Isosceles Triangle 80">
+            <p:cNvPr id="93" name="Isosceles Triangle 92">
               <a:extLst>
                 <a:ext uri="{FF2B5EF4-FFF2-40B4-BE49-F238E27FC236}">
                   <a16:creationId xmlns:a16="http://schemas.microsoft.com/office/drawing/2014/main" id="{F6022FD2-DE49-41E6-B3BF-B113018CA2B5}"/>
@@ -10817,15 +11900,15 @@
       </p:sp>
       <p:pic>
         <p:nvPicPr>
-          <p:cNvPr id="4098" name="Picture 2" descr="Spotify Premium Wallpaper 68954 1920x1277px">
+          <p:cNvPr id="5" name="Picture 4" descr="Logo&#10;&#10;Description automatically generated">
             <a:extLst>
               <a:ext uri="{FF2B5EF4-FFF2-40B4-BE49-F238E27FC236}">
-                <a16:creationId xmlns:a16="http://schemas.microsoft.com/office/drawing/2014/main" id="{C66F1758-1DC8-4CF7-9AE5-894360B51E73}"/>
+                <a16:creationId xmlns:a16="http://schemas.microsoft.com/office/drawing/2014/main" id="{A4D2E5BC-46B3-4599-A161-19866214B5BF}"/>
               </a:ext>
             </a:extLst>
           </p:cNvPr>
           <p:cNvPicPr>
-            <a:picLocks noChangeAspect="1" noChangeArrowheads="1"/>
+            <a:picLocks noChangeAspect="1"/>
           </p:cNvPicPr>
           <p:nvPr/>
         </p:nvPicPr>
@@ -10837,48 +11920,17 @@
               </a:ext>
             </a:extLst>
           </a:blip>
-          <a:srcRect t="18215" r="2" b="15727"/>
+          <a:srcRect t="4227" b="14945"/>
           <a:stretch/>
         </p:blipFill>
-        <p:spPr bwMode="auto">
+        <p:spPr>
           <a:xfrm>
-            <a:off x="677334" y="486603"/>
-            <a:ext cx="8274669" cy="3635025"/>
+            <a:off x="985969" y="571180"/>
+            <a:ext cx="8103206" cy="3635025"/>
           </a:xfrm>
-          <a:custGeom>
+          <a:prstGeom prst="rect">
             <a:avLst/>
-            <a:gdLst/>
-            <a:ahLst/>
-            <a:cxnLst/>
-            <a:rect l="l" t="t" r="r" b="b"/>
-            <a:pathLst>
-              <a:path w="8274669" h="3635025">
-                <a:moveTo>
-                  <a:pt x="540554" y="0"/>
-                </a:moveTo>
-                <a:lnTo>
-                  <a:pt x="8274669" y="0"/>
-                </a:lnTo>
-                <a:lnTo>
-                  <a:pt x="8274669" y="3635025"/>
-                </a:lnTo>
-                <a:lnTo>
-                  <a:pt x="0" y="3635025"/>
-                </a:lnTo>
-                <a:close/>
-              </a:path>
-            </a:pathLst>
-          </a:custGeom>
-          <a:noFill/>
-          <a:extLst>
-            <a:ext uri="{909E8E84-426E-40DD-AFC4-6F175D3DCCD1}">
-              <a14:hiddenFill xmlns:a14="http://schemas.microsoft.com/office/drawing/2010/main">
-                <a:solidFill>
-                  <a:srgbClr val="FFFFFF"/>
-                </a:solidFill>
-              </a14:hiddenFill>
-            </a:ext>
-          </a:extLst>
+          </a:prstGeom>
         </p:spPr>
       </p:pic>
     </p:spTree>
@@ -11581,405 +12633,52 @@
           <a:chExt cx="0" cy="0"/>
         </a:xfrm>
       </p:grpSpPr>
-      <p:sp>
-        <p:nvSpPr>
-          <p:cNvPr id="2" name="Title 1">
+      <p:pic>
+        <p:nvPicPr>
+          <p:cNvPr id="8" name="Picture 7" descr="Text&#10;&#10;Description automatically generated">
             <a:extLst>
               <a:ext uri="{FF2B5EF4-FFF2-40B4-BE49-F238E27FC236}">
-                <a16:creationId xmlns:a16="http://schemas.microsoft.com/office/drawing/2014/main" id="{F32946A4-3E6C-4C44-ADFA-630656ABB4BD}"/>
+                <a16:creationId xmlns:a16="http://schemas.microsoft.com/office/drawing/2014/main" id="{48566642-2AD6-4870-8B8B-E638D187A1A6}"/>
               </a:ext>
             </a:extLst>
           </p:cNvPr>
-          <p:cNvSpPr>
-            <a:spLocks noGrp="1"/>
-          </p:cNvSpPr>
-          <p:nvPr>
-            <p:ph type="title"/>
-          </p:nvPr>
-        </p:nvSpPr>
+          <p:cNvPicPr>
+            <a:picLocks noChangeAspect="1"/>
+          </p:cNvPicPr>
+          <p:nvPr/>
+        </p:nvPicPr>
+        <p:blipFill>
+          <a:blip r:embed="rId2">
+            <a:extLst>
+              <a:ext uri="{28A0092B-C50C-407E-A947-70E740481C1C}">
+                <a14:useLocalDpi xmlns:a14="http://schemas.microsoft.com/office/drawing/2010/main" val="0"/>
+              </a:ext>
+            </a:extLst>
+          </a:blip>
+          <a:stretch>
+            <a:fillRect/>
+          </a:stretch>
+        </p:blipFill>
         <p:spPr>
           <a:xfrm>
-            <a:off x="677335" y="3628571"/>
-            <a:ext cx="8596668" cy="898877"/>
-          </a:xfrm>
-        </p:spPr>
-        <p:txBody>
-          <a:bodyPr/>
-          <a:lstStyle/>
-          <a:p>
-            <a:r>
-              <a:rPr lang="en-US" dirty="0"/>
-              <a:t>The Challenges</a:t>
-            </a:r>
-          </a:p>
-        </p:txBody>
-      </p:sp>
-      <p:sp>
-        <p:nvSpPr>
-          <p:cNvPr id="4" name="TextBox 3">
-            <a:extLst>
-              <a:ext uri="{FF2B5EF4-FFF2-40B4-BE49-F238E27FC236}">
-                <a16:creationId xmlns:a16="http://schemas.microsoft.com/office/drawing/2014/main" id="{3F42A0F8-A45C-42C6-A3BD-85678B6C1649}"/>
-              </a:ext>
-            </a:extLst>
-          </p:cNvPr>
-          <p:cNvSpPr txBox="1"/>
-          <p:nvPr/>
-        </p:nvSpPr>
-        <p:spPr>
-          <a:xfrm>
-            <a:off x="4350971" y="1059543"/>
-            <a:ext cx="6621829" cy="830997"/>
+            <a:off x="3063631" y="357972"/>
+            <a:ext cx="5012287" cy="5844757"/>
           </a:xfrm>
           <a:prstGeom prst="rect">
             <a:avLst/>
           </a:prstGeom>
-          <a:noFill/>
         </p:spPr>
-        <p:txBody>
-          <a:bodyPr wrap="square" rtlCol="0">
-            <a:spAutoFit/>
-          </a:bodyPr>
-          <a:lstStyle/>
-          <a:p>
-            <a:r>
-              <a:rPr lang="en-US" sz="2400" dirty="0"/>
-              <a:t>1.) Querying Spotify’s API with the correct credentials to get the proper data.</a:t>
-            </a:r>
-          </a:p>
-        </p:txBody>
-      </p:sp>
-      <p:sp>
-        <p:nvSpPr>
-          <p:cNvPr id="5" name="TextBox 4">
-            <a:extLst>
-              <a:ext uri="{FF2B5EF4-FFF2-40B4-BE49-F238E27FC236}">
-                <a16:creationId xmlns:a16="http://schemas.microsoft.com/office/drawing/2014/main" id="{0A76258A-4ACC-4F81-8B04-D8FDCF2B2B11}"/>
-              </a:ext>
-            </a:extLst>
-          </p:cNvPr>
-          <p:cNvSpPr txBox="1"/>
-          <p:nvPr/>
-        </p:nvSpPr>
-        <p:spPr>
-          <a:xfrm>
-            <a:off x="4350971" y="2556296"/>
-            <a:ext cx="6621829" cy="461665"/>
-          </a:xfrm>
-          <a:prstGeom prst="rect">
-            <a:avLst/>
-          </a:prstGeom>
-          <a:noFill/>
-        </p:spPr>
-        <p:txBody>
-          <a:bodyPr wrap="square" rtlCol="0">
-            <a:spAutoFit/>
-          </a:bodyPr>
-          <a:lstStyle/>
-          <a:p>
-            <a:r>
-              <a:rPr lang="en-US" sz="2400" dirty="0"/>
-              <a:t>2.) Determining what kind of data is needed.</a:t>
-            </a:r>
-          </a:p>
-        </p:txBody>
-      </p:sp>
-      <p:sp>
-        <p:nvSpPr>
-          <p:cNvPr id="7" name="TextBox 6">
-            <a:extLst>
-              <a:ext uri="{FF2B5EF4-FFF2-40B4-BE49-F238E27FC236}">
-                <a16:creationId xmlns:a16="http://schemas.microsoft.com/office/drawing/2014/main" id="{8778D258-533F-4A4C-8F73-FC79128BE6A5}"/>
-              </a:ext>
-            </a:extLst>
-          </p:cNvPr>
-          <p:cNvSpPr txBox="1"/>
-          <p:nvPr/>
-        </p:nvSpPr>
-        <p:spPr>
-          <a:xfrm>
-            <a:off x="4300171" y="4013586"/>
-            <a:ext cx="6621829" cy="461665"/>
-          </a:xfrm>
-          <a:prstGeom prst="rect">
-            <a:avLst/>
-          </a:prstGeom>
-          <a:noFill/>
-        </p:spPr>
-        <p:txBody>
-          <a:bodyPr wrap="square" rtlCol="0">
-            <a:spAutoFit/>
-          </a:bodyPr>
-          <a:lstStyle/>
-          <a:p>
-            <a:r>
-              <a:rPr lang="en-US" sz="2400" dirty="0"/>
-              <a:t>3.) Working the data into a useable format.</a:t>
-            </a:r>
-          </a:p>
-        </p:txBody>
-      </p:sp>
-      <p:sp>
-        <p:nvSpPr>
-          <p:cNvPr id="8" name="TextBox 7">
-            <a:extLst>
-              <a:ext uri="{FF2B5EF4-FFF2-40B4-BE49-F238E27FC236}">
-                <a16:creationId xmlns:a16="http://schemas.microsoft.com/office/drawing/2014/main" id="{7342A2B1-F79A-4203-8F62-22287ACE3005}"/>
-              </a:ext>
-            </a:extLst>
-          </p:cNvPr>
-          <p:cNvSpPr txBox="1"/>
-          <p:nvPr/>
-        </p:nvSpPr>
-        <p:spPr>
-          <a:xfrm>
-            <a:off x="4350971" y="5470876"/>
-            <a:ext cx="6621829" cy="461665"/>
-          </a:xfrm>
-          <a:prstGeom prst="rect">
-            <a:avLst/>
-          </a:prstGeom>
-          <a:noFill/>
-        </p:spPr>
-        <p:txBody>
-          <a:bodyPr wrap="square" rtlCol="0">
-            <a:spAutoFit/>
-          </a:bodyPr>
-          <a:lstStyle/>
-          <a:p>
-            <a:r>
-              <a:rPr lang="en-US" sz="2400" dirty="0"/>
-              <a:t>4.) Informatively depicting takeaways.</a:t>
-            </a:r>
-          </a:p>
-        </p:txBody>
-      </p:sp>
+      </p:pic>
     </p:spTree>
     <p:extLst>
       <p:ext uri="{BB962C8B-B14F-4D97-AF65-F5344CB8AC3E}">
-        <p14:creationId xmlns:p14="http://schemas.microsoft.com/office/powerpoint/2010/main" val="1492837740"/>
+        <p14:creationId xmlns:p14="http://schemas.microsoft.com/office/powerpoint/2010/main" val="2501240530"/>
       </p:ext>
     </p:extLst>
   </p:cSld>
   <p:clrMapOvr>
     <a:masterClrMapping/>
   </p:clrMapOvr>
-  <p:timing>
-    <p:tnLst>
-      <p:par>
-        <p:cTn id="1" dur="indefinite" restart="never" nodeType="tmRoot">
-          <p:childTnLst>
-            <p:seq concurrent="1" nextAc="seek">
-              <p:cTn id="2" dur="indefinite" nodeType="mainSeq">
-                <p:childTnLst>
-                  <p:par>
-                    <p:cTn id="3" fill="hold">
-                      <p:stCondLst>
-                        <p:cond delay="indefinite"/>
-                      </p:stCondLst>
-                      <p:childTnLst>
-                        <p:par>
-                          <p:cTn id="4" fill="hold">
-                            <p:stCondLst>
-                              <p:cond delay="0"/>
-                            </p:stCondLst>
-                            <p:childTnLst>
-                              <p:par>
-                                <p:cTn id="5" presetID="1" presetClass="entr" presetSubtype="0" fill="hold" grpId="0" nodeType="clickEffect">
-                                  <p:stCondLst>
-                                    <p:cond delay="0"/>
-                                  </p:stCondLst>
-                                  <p:childTnLst>
-                                    <p:set>
-                                      <p:cBhvr>
-                                        <p:cTn id="6" dur="1" fill="hold">
-                                          <p:stCondLst>
-                                            <p:cond delay="0"/>
-                                          </p:stCondLst>
-                                        </p:cTn>
-                                        <p:tgtEl>
-                                          <p:spTgt spid="4"/>
-                                        </p:tgtEl>
-                                        <p:attrNameLst>
-                                          <p:attrName>style.visibility</p:attrName>
-                                        </p:attrNameLst>
-                                      </p:cBhvr>
-                                      <p:to>
-                                        <p:strVal val="visible"/>
-                                      </p:to>
-                                    </p:set>
-                                  </p:childTnLst>
-                                </p:cTn>
-                              </p:par>
-                            </p:childTnLst>
-                          </p:cTn>
-                        </p:par>
-                      </p:childTnLst>
-                    </p:cTn>
-                  </p:par>
-                  <p:par>
-                    <p:cTn id="7" fill="hold">
-                      <p:stCondLst>
-                        <p:cond delay="indefinite"/>
-                      </p:stCondLst>
-                      <p:childTnLst>
-                        <p:par>
-                          <p:cTn id="8" fill="hold">
-                            <p:stCondLst>
-                              <p:cond delay="0"/>
-                            </p:stCondLst>
-                            <p:childTnLst>
-                              <p:par>
-                                <p:cTn id="9" presetID="1" presetClass="entr" presetSubtype="0" fill="hold" grpId="0" nodeType="clickEffect">
-                                  <p:stCondLst>
-                                    <p:cond delay="0"/>
-                                  </p:stCondLst>
-                                  <p:childTnLst>
-                                    <p:set>
-                                      <p:cBhvr>
-                                        <p:cTn id="10" dur="1" fill="hold">
-                                          <p:stCondLst>
-                                            <p:cond delay="0"/>
-                                          </p:stCondLst>
-                                        </p:cTn>
-                                        <p:tgtEl>
-                                          <p:spTgt spid="5"/>
-                                        </p:tgtEl>
-                                        <p:attrNameLst>
-                                          <p:attrName>style.visibility</p:attrName>
-                                        </p:attrNameLst>
-                                      </p:cBhvr>
-                                      <p:to>
-                                        <p:strVal val="visible"/>
-                                      </p:to>
-                                    </p:set>
-                                  </p:childTnLst>
-                                </p:cTn>
-                              </p:par>
-                            </p:childTnLst>
-                          </p:cTn>
-                        </p:par>
-                      </p:childTnLst>
-                    </p:cTn>
-                  </p:par>
-                  <p:par>
-                    <p:cTn id="11" fill="hold">
-                      <p:stCondLst>
-                        <p:cond delay="indefinite"/>
-                      </p:stCondLst>
-                      <p:childTnLst>
-                        <p:par>
-                          <p:cTn id="12" fill="hold">
-                            <p:stCondLst>
-                              <p:cond delay="0"/>
-                            </p:stCondLst>
-                            <p:childTnLst>
-                              <p:par>
-                                <p:cTn id="13" presetID="1" presetClass="entr" presetSubtype="0" fill="hold" grpId="0" nodeType="clickEffect">
-                                  <p:stCondLst>
-                                    <p:cond delay="0"/>
-                                  </p:stCondLst>
-                                  <p:childTnLst>
-                                    <p:set>
-                                      <p:cBhvr>
-                                        <p:cTn id="14" dur="1" fill="hold">
-                                          <p:stCondLst>
-                                            <p:cond delay="0"/>
-                                          </p:stCondLst>
-                                        </p:cTn>
-                                        <p:tgtEl>
-                                          <p:spTgt spid="7"/>
-                                        </p:tgtEl>
-                                        <p:attrNameLst>
-                                          <p:attrName>style.visibility</p:attrName>
-                                        </p:attrNameLst>
-                                      </p:cBhvr>
-                                      <p:to>
-                                        <p:strVal val="visible"/>
-                                      </p:to>
-                                    </p:set>
-                                  </p:childTnLst>
-                                </p:cTn>
-                              </p:par>
-                            </p:childTnLst>
-                          </p:cTn>
-                        </p:par>
-                      </p:childTnLst>
-                    </p:cTn>
-                  </p:par>
-                  <p:par>
-                    <p:cTn id="15" fill="hold">
-                      <p:stCondLst>
-                        <p:cond delay="indefinite"/>
-                      </p:stCondLst>
-                      <p:childTnLst>
-                        <p:par>
-                          <p:cTn id="16" fill="hold">
-                            <p:stCondLst>
-                              <p:cond delay="0"/>
-                            </p:stCondLst>
-                            <p:childTnLst>
-                              <p:par>
-                                <p:cTn id="17" presetID="1" presetClass="entr" presetSubtype="0" fill="hold" grpId="0" nodeType="clickEffect">
-                                  <p:stCondLst>
-                                    <p:cond delay="0"/>
-                                  </p:stCondLst>
-                                  <p:childTnLst>
-                                    <p:set>
-                                      <p:cBhvr>
-                                        <p:cTn id="18" dur="1" fill="hold">
-                                          <p:stCondLst>
-                                            <p:cond delay="0"/>
-                                          </p:stCondLst>
-                                        </p:cTn>
-                                        <p:tgtEl>
-                                          <p:spTgt spid="8"/>
-                                        </p:tgtEl>
-                                        <p:attrNameLst>
-                                          <p:attrName>style.visibility</p:attrName>
-                                        </p:attrNameLst>
-                                      </p:cBhvr>
-                                      <p:to>
-                                        <p:strVal val="visible"/>
-                                      </p:to>
-                                    </p:set>
-                                  </p:childTnLst>
-                                </p:cTn>
-                              </p:par>
-                            </p:childTnLst>
-                          </p:cTn>
-                        </p:par>
-                      </p:childTnLst>
-                    </p:cTn>
-                  </p:par>
-                </p:childTnLst>
-              </p:cTn>
-              <p:prevCondLst>
-                <p:cond evt="onPrev" delay="0">
-                  <p:tgtEl>
-                    <p:sldTgt/>
-                  </p:tgtEl>
-                </p:cond>
-              </p:prevCondLst>
-              <p:nextCondLst>
-                <p:cond evt="onNext" delay="0">
-                  <p:tgtEl>
-                    <p:sldTgt/>
-                  </p:tgtEl>
-                </p:cond>
-              </p:nextCondLst>
-            </p:seq>
-          </p:childTnLst>
-        </p:cTn>
-      </p:par>
-    </p:tnLst>
-    <p:bldLst>
-      <p:bldP spid="4" grpId="0"/>
-      <p:bldP spid="5" grpId="0"/>
-      <p:bldP spid="7" grpId="0"/>
-      <p:bldP spid="8" grpId="0"/>
-    </p:bldLst>
-  </p:timing>
 </p:sld>
 </file>
 
@@ -12507,7 +13206,7 @@
           <p:cNvPr id="2" name="Title 1">
             <a:extLst>
               <a:ext uri="{FF2B5EF4-FFF2-40B4-BE49-F238E27FC236}">
-                <a16:creationId xmlns:a16="http://schemas.microsoft.com/office/drawing/2014/main" id="{51FEBF19-328E-483D-9371-E23649C9EDE8}"/>
+                <a16:creationId xmlns:a16="http://schemas.microsoft.com/office/drawing/2014/main" id="{D3D5BC3F-0F4D-44B2-A1FB-D55F57F2D229}"/>
               </a:ext>
             </a:extLst>
           </p:cNvPr>
@@ -12518,28 +13217,390 @@
             <p:ph type="title"/>
           </p:nvPr>
         </p:nvSpPr>
-        <p:spPr/>
+        <p:spPr>
+          <a:xfrm>
+            <a:off x="677335" y="199103"/>
+            <a:ext cx="8596668" cy="663371"/>
+          </a:xfrm>
+        </p:spPr>
         <p:txBody>
-          <a:bodyPr/>
+          <a:bodyPr>
+            <a:normAutofit fontScale="90000"/>
+          </a:bodyPr>
           <a:lstStyle/>
           <a:p>
             <a:r>
               <a:rPr lang="en-US" dirty="0"/>
-              <a:t>Honorable Mentions</a:t>
+              <a:t>Conclusions</a:t>
             </a:r>
           </a:p>
         </p:txBody>
       </p:sp>
+      <p:sp>
+        <p:nvSpPr>
+          <p:cNvPr id="3" name="Text Placeholder 2">
+            <a:extLst>
+              <a:ext uri="{FF2B5EF4-FFF2-40B4-BE49-F238E27FC236}">
+                <a16:creationId xmlns:a16="http://schemas.microsoft.com/office/drawing/2014/main" id="{446C1EB0-C97C-4A46-A997-E8F8F201D9CE}"/>
+              </a:ext>
+            </a:extLst>
+          </p:cNvPr>
+          <p:cNvSpPr>
+            <a:spLocks noGrp="1"/>
+          </p:cNvSpPr>
+          <p:nvPr>
+            <p:ph type="body" idx="1"/>
+          </p:nvPr>
+        </p:nvSpPr>
+        <p:spPr>
+          <a:xfrm>
+            <a:off x="677335" y="862474"/>
+            <a:ext cx="8596668" cy="1954468"/>
+          </a:xfrm>
+        </p:spPr>
+        <p:txBody>
+          <a:bodyPr>
+            <a:normAutofit fontScale="77500" lnSpcReduction="20000"/>
+          </a:bodyPr>
+          <a:lstStyle/>
+          <a:p>
+            <a:pPr algn="l">
+              <a:buFont typeface="+mj-lt"/>
+              <a:buAutoNum type="arabicPeriod"/>
+            </a:pPr>
+            <a:r>
+              <a:rPr lang="en-US" b="0" i="0" dirty="0">
+                <a:solidFill>
+                  <a:srgbClr val="D4D4D4"/>
+                </a:solidFill>
+                <a:effectLst/>
+                <a:latin typeface="-apple-system"/>
+              </a:rPr>
+              <a:t>The </a:t>
+            </a:r>
+            <a:r>
+              <a:rPr lang="en-US" b="0" i="0" dirty="0" err="1">
+                <a:solidFill>
+                  <a:srgbClr val="D4D4D4"/>
+                </a:solidFill>
+                <a:effectLst/>
+                <a:latin typeface="-apple-system"/>
+              </a:rPr>
+              <a:t>danceabillity</a:t>
+            </a:r>
+            <a:r>
+              <a:rPr lang="en-US" b="0" i="0" dirty="0">
+                <a:solidFill>
+                  <a:srgbClr val="D4D4D4"/>
+                </a:solidFill>
+                <a:effectLst/>
+                <a:latin typeface="-apple-system"/>
+              </a:rPr>
+              <a:t> metric behaved very differently between country and pop, with it being more concentrated around the median with a gradual tapering off for country and more variability with gradual increasing in prevalence for pop.</a:t>
+            </a:r>
+          </a:p>
+          <a:p>
+            <a:pPr algn="l">
+              <a:buFont typeface="+mj-lt"/>
+              <a:buAutoNum type="arabicPeriod"/>
+            </a:pPr>
+            <a:r>
+              <a:rPr lang="en-US" b="0" i="0" dirty="0">
+                <a:solidFill>
+                  <a:srgbClr val="D4D4D4"/>
+                </a:solidFill>
+                <a:effectLst/>
+                <a:latin typeface="-apple-system"/>
+              </a:rPr>
+              <a:t>Pop music rewarded highly energetic music with strong concentration around the mean for the energy variable before it becomes less prominent as the new millennium progresses. Country music suddenly becomes energetic in the 90's and remains at a relatively consistent level.</a:t>
+            </a:r>
+          </a:p>
+          <a:p>
+            <a:pPr algn="l">
+              <a:buFont typeface="+mj-lt"/>
+              <a:buAutoNum type="arabicPeriod"/>
+            </a:pPr>
+            <a:r>
+              <a:rPr lang="en-US" b="0" i="0" dirty="0">
+                <a:solidFill>
+                  <a:srgbClr val="D4D4D4"/>
+                </a:solidFill>
+                <a:effectLst/>
+                <a:latin typeface="-apple-system"/>
+              </a:rPr>
+              <a:t>The greatest musical difference between pop and country found across all variables was for valence during the 90's.</a:t>
+            </a:r>
+          </a:p>
+          <a:p>
+            <a:endParaRPr lang="en-US" dirty="0"/>
+          </a:p>
+        </p:txBody>
+      </p:sp>
+      <p:graphicFrame>
+        <p:nvGraphicFramePr>
+          <p:cNvPr id="10" name="Chart 9">
+            <a:extLst>
+              <a:ext uri="{FF2B5EF4-FFF2-40B4-BE49-F238E27FC236}">
+                <a16:creationId xmlns:a16="http://schemas.microsoft.com/office/drawing/2014/main" id="{19727376-8F6D-4428-8AD5-71D756A5773D}"/>
+              </a:ext>
+            </a:extLst>
+          </p:cNvPr>
+          <p:cNvGraphicFramePr/>
+          <p:nvPr>
+            <p:extLst>
+              <p:ext uri="{D42A27DB-BD31-4B8C-83A1-F6EECF244321}">
+                <p14:modId xmlns:p14="http://schemas.microsoft.com/office/powerpoint/2010/main" val="2957834050"/>
+              </p:ext>
+            </p:extLst>
+          </p:nvPr>
+        </p:nvGraphicFramePr>
+        <p:xfrm>
+          <a:off x="285397" y="2966564"/>
+          <a:ext cx="8988606" cy="3387479"/>
+        </p:xfrm>
+        <a:graphic>
+          <a:graphicData uri="http://schemas.openxmlformats.org/drawingml/2006/chart">
+            <c:chart xmlns:c="http://schemas.openxmlformats.org/drawingml/2006/chart" xmlns:r="http://schemas.openxmlformats.org/officeDocument/2006/relationships" r:id="rId2"/>
+          </a:graphicData>
+        </a:graphic>
+      </p:graphicFrame>
     </p:spTree>
     <p:extLst>
       <p:ext uri="{BB962C8B-B14F-4D97-AF65-F5344CB8AC3E}">
-        <p14:creationId xmlns:p14="http://schemas.microsoft.com/office/powerpoint/2010/main" val="2813090593"/>
+        <p14:creationId xmlns:p14="http://schemas.microsoft.com/office/powerpoint/2010/main" val="3834096978"/>
       </p:ext>
     </p:extLst>
   </p:cSld>
   <p:clrMapOvr>
     <a:masterClrMapping/>
   </p:clrMapOvr>
+  <p:timing>
+    <p:tnLst>
+      <p:par>
+        <p:cTn id="1" dur="indefinite" restart="never" nodeType="tmRoot">
+          <p:childTnLst>
+            <p:seq concurrent="1" nextAc="seek">
+              <p:cTn id="2" dur="indefinite" nodeType="mainSeq">
+                <p:childTnLst>
+                  <p:par>
+                    <p:cTn id="3" fill="hold">
+                      <p:stCondLst>
+                        <p:cond delay="indefinite"/>
+                      </p:stCondLst>
+                      <p:childTnLst>
+                        <p:par>
+                          <p:cTn id="4" fill="hold">
+                            <p:stCondLst>
+                              <p:cond delay="0"/>
+                            </p:stCondLst>
+                            <p:childTnLst>
+                              <p:par>
+                                <p:cTn id="5" presetID="1" presetClass="entr" presetSubtype="0" fill="hold" nodeType="clickEffect">
+                                  <p:stCondLst>
+                                    <p:cond delay="0"/>
+                                  </p:stCondLst>
+                                  <p:childTnLst>
+                                    <p:set>
+                                      <p:cBhvr>
+                                        <p:cTn id="6" dur="1" fill="hold">
+                                          <p:stCondLst>
+                                            <p:cond delay="0"/>
+                                          </p:stCondLst>
+                                        </p:cTn>
+                                        <p:tgtEl>
+                                          <p:spTgt spid="3">
+                                            <p:txEl>
+                                              <p:pRg st="0" end="0"/>
+                                            </p:txEl>
+                                          </p:spTgt>
+                                        </p:tgtEl>
+                                        <p:attrNameLst>
+                                          <p:attrName>style.visibility</p:attrName>
+                                        </p:attrNameLst>
+                                      </p:cBhvr>
+                                      <p:to>
+                                        <p:strVal val="visible"/>
+                                      </p:to>
+                                    </p:set>
+                                  </p:childTnLst>
+                                </p:cTn>
+                              </p:par>
+                            </p:childTnLst>
+                          </p:cTn>
+                        </p:par>
+                      </p:childTnLst>
+                    </p:cTn>
+                  </p:par>
+                  <p:par>
+                    <p:cTn id="7" fill="hold">
+                      <p:stCondLst>
+                        <p:cond delay="indefinite"/>
+                      </p:stCondLst>
+                      <p:childTnLst>
+                        <p:par>
+                          <p:cTn id="8" fill="hold">
+                            <p:stCondLst>
+                              <p:cond delay="0"/>
+                            </p:stCondLst>
+                            <p:childTnLst>
+                              <p:par>
+                                <p:cTn id="9" presetID="1" presetClass="entr" presetSubtype="0" fill="hold" nodeType="clickEffect">
+                                  <p:stCondLst>
+                                    <p:cond delay="0"/>
+                                  </p:stCondLst>
+                                  <p:childTnLst>
+                                    <p:set>
+                                      <p:cBhvr>
+                                        <p:cTn id="10" dur="1" fill="hold">
+                                          <p:stCondLst>
+                                            <p:cond delay="0"/>
+                                          </p:stCondLst>
+                                        </p:cTn>
+                                        <p:tgtEl>
+                                          <p:spTgt spid="3">
+                                            <p:txEl>
+                                              <p:pRg st="1" end="1"/>
+                                            </p:txEl>
+                                          </p:spTgt>
+                                        </p:tgtEl>
+                                        <p:attrNameLst>
+                                          <p:attrName>style.visibility</p:attrName>
+                                        </p:attrNameLst>
+                                      </p:cBhvr>
+                                      <p:to>
+                                        <p:strVal val="visible"/>
+                                      </p:to>
+                                    </p:set>
+                                  </p:childTnLst>
+                                </p:cTn>
+                              </p:par>
+                            </p:childTnLst>
+                          </p:cTn>
+                        </p:par>
+                      </p:childTnLst>
+                    </p:cTn>
+                  </p:par>
+                  <p:par>
+                    <p:cTn id="11" fill="hold">
+                      <p:stCondLst>
+                        <p:cond delay="indefinite"/>
+                      </p:stCondLst>
+                      <p:childTnLst>
+                        <p:par>
+                          <p:cTn id="12" fill="hold">
+                            <p:stCondLst>
+                              <p:cond delay="0"/>
+                            </p:stCondLst>
+                            <p:childTnLst>
+                              <p:par>
+                                <p:cTn id="13" presetID="1" presetClass="entr" presetSubtype="0" fill="hold" nodeType="clickEffect">
+                                  <p:stCondLst>
+                                    <p:cond delay="0"/>
+                                  </p:stCondLst>
+                                  <p:childTnLst>
+                                    <p:set>
+                                      <p:cBhvr>
+                                        <p:cTn id="14" dur="1" fill="hold">
+                                          <p:stCondLst>
+                                            <p:cond delay="0"/>
+                                          </p:stCondLst>
+                                        </p:cTn>
+                                        <p:tgtEl>
+                                          <p:spTgt spid="3">
+                                            <p:txEl>
+                                              <p:pRg st="2" end="2"/>
+                                            </p:txEl>
+                                          </p:spTgt>
+                                        </p:tgtEl>
+                                        <p:attrNameLst>
+                                          <p:attrName>style.visibility</p:attrName>
+                                        </p:attrNameLst>
+                                      </p:cBhvr>
+                                      <p:to>
+                                        <p:strVal val="visible"/>
+                                      </p:to>
+                                    </p:set>
+                                  </p:childTnLst>
+                                </p:cTn>
+                              </p:par>
+                            </p:childTnLst>
+                          </p:cTn>
+                        </p:par>
+                      </p:childTnLst>
+                    </p:cTn>
+                  </p:par>
+                  <p:par>
+                    <p:cTn id="15" fill="hold">
+                      <p:stCondLst>
+                        <p:cond delay="indefinite"/>
+                      </p:stCondLst>
+                      <p:childTnLst>
+                        <p:par>
+                          <p:cTn id="16" fill="hold">
+                            <p:stCondLst>
+                              <p:cond delay="0"/>
+                            </p:stCondLst>
+                            <p:childTnLst>
+                              <p:par>
+                                <p:cTn id="17" presetID="1" presetClass="entr" presetSubtype="0" fill="hold" grpId="0" nodeType="clickEffect">
+                                  <p:stCondLst>
+                                    <p:cond delay="0"/>
+                                  </p:stCondLst>
+                                  <p:childTnLst>
+                                    <p:set>
+                                      <p:cBhvr>
+                                        <p:cTn id="18" dur="1" fill="hold">
+                                          <p:stCondLst>
+                                            <p:cond delay="0"/>
+                                          </p:stCondLst>
+                                        </p:cTn>
+                                        <p:tgtEl>
+                                          <p:spTgt spid="10"/>
+                                        </p:tgtEl>
+                                        <p:attrNameLst>
+                                          <p:attrName>style.visibility</p:attrName>
+                                        </p:attrNameLst>
+                                      </p:cBhvr>
+                                      <p:to>
+                                        <p:strVal val="visible"/>
+                                      </p:to>
+                                    </p:set>
+                                  </p:childTnLst>
+                                </p:cTn>
+                              </p:par>
+                            </p:childTnLst>
+                          </p:cTn>
+                        </p:par>
+                      </p:childTnLst>
+                    </p:cTn>
+                  </p:par>
+                </p:childTnLst>
+              </p:cTn>
+              <p:prevCondLst>
+                <p:cond evt="onPrev" delay="0">
+                  <p:tgtEl>
+                    <p:sldTgt/>
+                  </p:tgtEl>
+                </p:cond>
+              </p:prevCondLst>
+              <p:nextCondLst>
+                <p:cond evt="onNext" delay="0">
+                  <p:tgtEl>
+                    <p:sldTgt/>
+                  </p:tgtEl>
+                </p:cond>
+              </p:nextCondLst>
+            </p:seq>
+          </p:childTnLst>
+        </p:cTn>
+      </p:par>
+    </p:tnLst>
+    <p:bldLst>
+      <p:bldGraphic spid="10" grpId="0">
+        <p:bldAsOne/>
+      </p:bldGraphic>
+    </p:bldLst>
+  </p:timing>
 </p:sld>
 </file>
 
